--- a/PPT/05- Angular Routing.pptx
+++ b/PPT/05- Angular Routing.pptx
@@ -1900,7 +1900,7 @@
           <a:p>
             <a:fld id="{B496B693-9FDE-D34D-BA2D-87876F5E0558}" type="datetime1">
               <a:rPr lang="en-US" smtClean="0"/>
-              <a:t>6/8/20</a:t>
+              <a:t>6/10/20</a:t>
             </a:fld>
             <a:endParaRPr lang="en-US"/>
           </a:p>
@@ -2059,7 +2059,7 @@
           <a:p>
             <a:fld id="{2C668659-E1B9-F248-8B7A-62E98257FA2B}" type="datetime1">
               <a:rPr lang="en-US" smtClean="0"/>
-              <a:t>6/8/20</a:t>
+              <a:t>6/10/20</a:t>
             </a:fld>
             <a:endParaRPr lang="en-US"/>
           </a:p>
@@ -2537,7 +2537,7 @@
           <a:p>
             <a:fld id="{B6121E9A-9D8F-554C-B283-F41E0A321D9E}" type="datetime1">
               <a:rPr lang="en-US" smtClean="0"/>
-              <a:t>6/8/20</a:t>
+              <a:t>6/10/20</a:t>
             </a:fld>
             <a:endParaRPr lang="en-US"/>
           </a:p>
@@ -2662,7 +2662,7 @@
           <a:p>
             <a:fld id="{4830FFAC-C408-5B4A-A43B-C51D21E865D6}" type="datetime1">
               <a:rPr lang="en-US" smtClean="0"/>
-              <a:t>6/8/20</a:t>
+              <a:t>6/10/20</a:t>
             </a:fld>
             <a:endParaRPr lang="en-US"/>
           </a:p>
@@ -2758,7 +2758,7 @@
           <a:p>
             <a:fld id="{AAFBA3EB-6224-474F-84CA-5E91E4443D27}" type="datetime1">
               <a:rPr lang="en-US" smtClean="0"/>
-              <a:t>6/8/20</a:t>
+              <a:t>6/10/20</a:t>
             </a:fld>
             <a:endParaRPr lang="en-US"/>
           </a:p>
@@ -2992,7 +2992,7 @@
           <a:p>
             <a:fld id="{5A1FA41D-3A39-F741-AA79-3F454EC99F26}" type="datetime1">
               <a:rPr lang="en-US" smtClean="0"/>
-              <a:t>6/8/20</a:t>
+              <a:t>6/10/20</a:t>
             </a:fld>
             <a:endParaRPr lang="en-US"/>
           </a:p>
@@ -26069,8 +26069,8 @@
         </p:nvSpPr>
         <p:spPr>
           <a:xfrm>
-            <a:off x="768043" y="473382"/>
-            <a:ext cx="9426816" cy="1997983"/>
+            <a:off x="165100" y="473382"/>
+            <a:ext cx="10281924" cy="1697901"/>
           </a:xfrm>
           <a:prstGeom prst="rect">
             <a:avLst/>
@@ -26207,6 +26207,14 @@
               </a:rPr>
               <a:t>Component</a:t>
             </a:r>
+            <a:r>
+              <a:rPr lang="nl-NL" sz="2750" b="1" spc="15" dirty="0">
+                <a:latin typeface="Verdana" panose="020B0604030504040204" pitchFamily="34" charset="0"/>
+                <a:ea typeface="Verdana" panose="020B0604030504040204" pitchFamily="34" charset="0"/>
+                <a:cs typeface="Verdana" panose="020B0604030504040204" pitchFamily="34" charset="0"/>
+              </a:rPr>
+              <a:t> !</a:t>
+            </a:r>
             <a:endParaRPr sz="2750" dirty="0">
               <a:latin typeface="Verdana" panose="020B0604030504040204" pitchFamily="34" charset="0"/>
               <a:ea typeface="Verdana" panose="020B0604030504040204" pitchFamily="34" charset="0"/>
@@ -26218,8 +26226,11 @@
               <a:lnSpc>
                 <a:spcPct val="100000"/>
               </a:lnSpc>
+              <a:spcBef>
+                <a:spcPts val="30"/>
+              </a:spcBef>
             </a:pPr>
-            <a:endParaRPr sz="2800" dirty="0">
+            <a:endParaRPr lang="nl-NL" sz="2800" dirty="0">
               <a:latin typeface="Verdana" panose="020B0604030504040204" pitchFamily="34" charset="0"/>
               <a:ea typeface="Verdana" panose="020B0604030504040204" pitchFamily="34" charset="0"/>
               <a:cs typeface="Verdana" panose="020B0604030504040204" pitchFamily="34" charset="0"/>
@@ -26241,192 +26252,13 @@
             </a:endParaRPr>
           </a:p>
           <a:p>
-            <a:pPr marL="353695" indent="-340995">
-              <a:lnSpc>
-                <a:spcPct val="100000"/>
-              </a:lnSpc>
-              <a:buFont typeface="Verdana"/>
-              <a:buChar char="•"/>
-              <a:tabLst>
-                <a:tab pos="354330" algn="l"/>
-              </a:tabLst>
-            </a:pPr>
-            <a:r>
-              <a:rPr sz="1950" spc="-20" dirty="0">
-                <a:latin typeface="Verdana" panose="020B0604030504040204" pitchFamily="34" charset="0"/>
-                <a:ea typeface="Verdana" panose="020B0604030504040204" pitchFamily="34" charset="0"/>
-                <a:cs typeface="Verdana" panose="020B0604030504040204" pitchFamily="34" charset="0"/>
-              </a:rPr>
-              <a:t>HomeComponen</a:t>
-            </a:r>
-            <a:r>
-              <a:rPr sz="1950" spc="-10" dirty="0">
-                <a:latin typeface="Verdana" panose="020B0604030504040204" pitchFamily="34" charset="0"/>
-                <a:ea typeface="Verdana" panose="020B0604030504040204" pitchFamily="34" charset="0"/>
-                <a:cs typeface="Verdana" panose="020B0604030504040204" pitchFamily="34" charset="0"/>
-              </a:rPr>
-              <a:t>t</a:t>
-            </a:r>
-            <a:r>
-              <a:rPr sz="1950" spc="185" dirty="0">
-                <a:latin typeface="Verdana" panose="020B0604030504040204" pitchFamily="34" charset="0"/>
-                <a:ea typeface="Verdana" panose="020B0604030504040204" pitchFamily="34" charset="0"/>
-                <a:cs typeface="Verdana" panose="020B0604030504040204" pitchFamily="34" charset="0"/>
-              </a:rPr>
-              <a:t> </a:t>
-            </a:r>
-            <a:r>
-              <a:rPr sz="1950" spc="-15" dirty="0">
-                <a:latin typeface="Verdana" panose="020B0604030504040204" pitchFamily="34" charset="0"/>
-                <a:ea typeface="Verdana" panose="020B0604030504040204" pitchFamily="34" charset="0"/>
-                <a:cs typeface="Verdana" panose="020B0604030504040204" pitchFamily="34" charset="0"/>
-              </a:rPr>
-              <a:t>(or</a:t>
-            </a:r>
-            <a:r>
-              <a:rPr sz="1950" spc="-10" dirty="0">
-                <a:latin typeface="Verdana" panose="020B0604030504040204" pitchFamily="34" charset="0"/>
-                <a:ea typeface="Verdana" panose="020B0604030504040204" pitchFamily="34" charset="0"/>
-                <a:cs typeface="Verdana" panose="020B0604030504040204" pitchFamily="34" charset="0"/>
-              </a:rPr>
-              <a:t>:</a:t>
-            </a:r>
-            <a:r>
-              <a:rPr sz="1950" spc="195" dirty="0">
-                <a:latin typeface="Verdana" panose="020B0604030504040204" pitchFamily="34" charset="0"/>
-                <a:ea typeface="Verdana" panose="020B0604030504040204" pitchFamily="34" charset="0"/>
-                <a:cs typeface="Verdana" panose="020B0604030504040204" pitchFamily="34" charset="0"/>
-              </a:rPr>
-              <a:t> </a:t>
-            </a:r>
-            <a:r>
-              <a:rPr sz="1950" spc="-70" dirty="0">
-                <a:latin typeface="Verdana" panose="020B0604030504040204" pitchFamily="34" charset="0"/>
-                <a:ea typeface="Verdana" panose="020B0604030504040204" pitchFamily="34" charset="0"/>
-                <a:cs typeface="Verdana" panose="020B0604030504040204" pitchFamily="34" charset="0"/>
-              </a:rPr>
-              <a:t>R</a:t>
-            </a:r>
-            <a:r>
-              <a:rPr sz="1950" spc="-20" dirty="0">
-                <a:latin typeface="Verdana" panose="020B0604030504040204" pitchFamily="34" charset="0"/>
-                <a:ea typeface="Verdana" panose="020B0604030504040204" pitchFamily="34" charset="0"/>
-                <a:cs typeface="Verdana" panose="020B0604030504040204" pitchFamily="34" charset="0"/>
-              </a:rPr>
-              <a:t>ootComponent</a:t>
-            </a:r>
-            <a:r>
-              <a:rPr sz="1950" spc="-10" dirty="0">
-                <a:latin typeface="Verdana" panose="020B0604030504040204" pitchFamily="34" charset="0"/>
-                <a:ea typeface="Verdana" panose="020B0604030504040204" pitchFamily="34" charset="0"/>
-                <a:cs typeface="Verdana" panose="020B0604030504040204" pitchFamily="34" charset="0"/>
-              </a:rPr>
-              <a:t>,</a:t>
-            </a:r>
-            <a:r>
-              <a:rPr sz="1950" spc="195" dirty="0">
-                <a:latin typeface="Verdana" panose="020B0604030504040204" pitchFamily="34" charset="0"/>
-                <a:ea typeface="Verdana" panose="020B0604030504040204" pitchFamily="34" charset="0"/>
-                <a:cs typeface="Verdana" panose="020B0604030504040204" pitchFamily="34" charset="0"/>
-              </a:rPr>
-              <a:t> </a:t>
-            </a:r>
-            <a:r>
-              <a:rPr sz="1950" spc="-20" dirty="0">
-                <a:latin typeface="Verdana" panose="020B0604030504040204" pitchFamily="34" charset="0"/>
-                <a:ea typeface="Verdana" panose="020B0604030504040204" pitchFamily="34" charset="0"/>
-                <a:cs typeface="Verdana" panose="020B0604030504040204" pitchFamily="34" charset="0"/>
-              </a:rPr>
-              <a:t>whate</a:t>
-            </a:r>
-            <a:r>
-              <a:rPr sz="1950" spc="-30" dirty="0">
-                <a:latin typeface="Verdana" panose="020B0604030504040204" pitchFamily="34" charset="0"/>
-                <a:ea typeface="Verdana" panose="020B0604030504040204" pitchFamily="34" charset="0"/>
-                <a:cs typeface="Verdana" panose="020B0604030504040204" pitchFamily="34" charset="0"/>
-              </a:rPr>
-              <a:t>v</a:t>
-            </a:r>
-            <a:r>
-              <a:rPr sz="1950" spc="-10" dirty="0">
-                <a:latin typeface="Verdana" panose="020B0604030504040204" pitchFamily="34" charset="0"/>
-                <a:ea typeface="Verdana" panose="020B0604030504040204" pitchFamily="34" charset="0"/>
-                <a:cs typeface="Verdana" panose="020B0604030504040204" pitchFamily="34" charset="0"/>
-              </a:rPr>
-              <a:t>er)</a:t>
-            </a:r>
-            <a:r>
-              <a:rPr sz="1950" spc="190" dirty="0">
-                <a:latin typeface="Verdana" panose="020B0604030504040204" pitchFamily="34" charset="0"/>
-                <a:ea typeface="Verdana" panose="020B0604030504040204" pitchFamily="34" charset="0"/>
-                <a:cs typeface="Verdana" panose="020B0604030504040204" pitchFamily="34" charset="0"/>
-              </a:rPr>
-              <a:t> </a:t>
-            </a:r>
-            <a:r>
-              <a:rPr sz="1950" spc="-15" dirty="0">
-                <a:latin typeface="Verdana" panose="020B0604030504040204" pitchFamily="34" charset="0"/>
-                <a:ea typeface="Verdana" panose="020B0604030504040204" pitchFamily="34" charset="0"/>
-                <a:cs typeface="Verdana" panose="020B0604030504040204" pitchFamily="34" charset="0"/>
-              </a:rPr>
-              <a:t>with</a:t>
-            </a:r>
-            <a:r>
-              <a:rPr sz="1950" spc="200" dirty="0">
-                <a:latin typeface="Verdana" panose="020B0604030504040204" pitchFamily="34" charset="0"/>
-                <a:ea typeface="Verdana" panose="020B0604030504040204" pitchFamily="34" charset="0"/>
-                <a:cs typeface="Verdana" panose="020B0604030504040204" pitchFamily="34" charset="0"/>
-              </a:rPr>
-              <a:t> </a:t>
-            </a:r>
-            <a:r>
-              <a:rPr sz="1950" spc="-20" dirty="0">
-                <a:latin typeface="Verdana" panose="020B0604030504040204" pitchFamily="34" charset="0"/>
-                <a:ea typeface="Verdana" panose="020B0604030504040204" pitchFamily="34" charset="0"/>
-                <a:cs typeface="Verdana" panose="020B0604030504040204" pitchFamily="34" charset="0"/>
-              </a:rPr>
-              <a:t>mai</a:t>
-            </a:r>
-            <a:r>
-              <a:rPr sz="1950" spc="-15" dirty="0">
-                <a:latin typeface="Verdana" panose="020B0604030504040204" pitchFamily="34" charset="0"/>
-                <a:ea typeface="Verdana" panose="020B0604030504040204" pitchFamily="34" charset="0"/>
-                <a:cs typeface="Verdana" panose="020B0604030504040204" pitchFamily="34" charset="0"/>
-              </a:rPr>
-              <a:t>n</a:t>
-            </a:r>
-            <a:r>
-              <a:rPr sz="1950" spc="195" dirty="0">
-                <a:latin typeface="Verdana" panose="020B0604030504040204" pitchFamily="34" charset="0"/>
-                <a:ea typeface="Verdana" panose="020B0604030504040204" pitchFamily="34" charset="0"/>
-                <a:cs typeface="Verdana" panose="020B0604030504040204" pitchFamily="34" charset="0"/>
-              </a:rPr>
-              <a:t> </a:t>
-            </a:r>
-            <a:r>
-              <a:rPr sz="1950" spc="-20" dirty="0">
-                <a:latin typeface="Verdana" panose="020B0604030504040204" pitchFamily="34" charset="0"/>
-                <a:ea typeface="Verdana" panose="020B0604030504040204" pitchFamily="34" charset="0"/>
-                <a:cs typeface="Verdana" panose="020B0604030504040204" pitchFamily="34" charset="0"/>
-              </a:rPr>
-              <a:t>menu</a:t>
-            </a:r>
-            <a:endParaRPr sz="1950" dirty="0">
-              <a:latin typeface="Verdana" panose="020B0604030504040204" pitchFamily="34" charset="0"/>
-              <a:ea typeface="Verdana" panose="020B0604030504040204" pitchFamily="34" charset="0"/>
-              <a:cs typeface="Verdana" panose="020B0604030504040204" pitchFamily="34" charset="0"/>
-            </a:endParaRPr>
-          </a:p>
-          <a:p>
-            <a:pPr marL="353695" indent="-340995">
+            <a:pPr marL="12700" algn="ctr">
               <a:lnSpc>
                 <a:spcPct val="100000"/>
               </a:lnSpc>
               <a:spcBef>
                 <a:spcPts val="1625"/>
               </a:spcBef>
-              <a:buFont typeface="Verdana"/>
-              <a:buChar char="•"/>
               <a:tabLst>
                 <a:tab pos="354330" algn="l"/>
               </a:tabLst>
@@ -26452,6 +26284,17 @@
                 <a:cs typeface="Verdana" panose="020B0604030504040204" pitchFamily="34" charset="0"/>
               </a:rPr>
               <a:t>s</a:t>
+            </a:r>
+            <a:r>
+              <a:rPr lang="nl-NL" sz="1950" b="1" spc="-15" dirty="0">
+                <a:solidFill>
+                  <a:srgbClr val="FF0000"/>
+                </a:solidFill>
+                <a:latin typeface="Verdana" panose="020B0604030504040204" pitchFamily="34" charset="0"/>
+                <a:ea typeface="Verdana" panose="020B0604030504040204" pitchFamily="34" charset="0"/>
+                <a:cs typeface="Verdana" panose="020B0604030504040204" pitchFamily="34" charset="0"/>
+              </a:rPr>
+              <a:t>/routes</a:t>
             </a:r>
             <a:r>
               <a:rPr sz="1950" b="1" spc="185" dirty="0">
@@ -31254,7 +31097,7 @@
         </p:nvSpPr>
         <p:spPr>
           <a:xfrm>
-            <a:off x="1586617" y="2257425"/>
+            <a:off x="1536700" y="2257425"/>
             <a:ext cx="8895474" cy="2700739"/>
           </a:xfrm>
         </p:spPr>
@@ -31290,21 +31133,29 @@
           <a:p>
             <a:r>
               <a:rPr lang="en-US" dirty="0"/>
-              <a:t>placeholder="filter cities..."</a:t>
+              <a:t>           placeholder="filter cities..."</a:t>
             </a:r>
           </a:p>
           <a:p>
             <a:r>
               <a:rPr lang="en-US" dirty="0"/>
+              <a:t>           </a:t>
+            </a:r>
+            <a:r>
+              <a:rPr lang="en-US" b="1" dirty="0"/>
               <a:t>[(</a:t>
             </a:r>
             <a:r>
-              <a:rPr lang="en-US" dirty="0" err="1"/>
+              <a:rPr lang="en-US" b="1" dirty="0" err="1"/>
               <a:t>ngModel</a:t>
             </a:r>
             <a:r>
+              <a:rPr lang="en-US" b="1" dirty="0"/>
+              <a:t>)]</a:t>
+            </a:r>
+            <a:r>
               <a:rPr lang="en-US" dirty="0"/>
-              <a:t>)]="</a:t>
+              <a:t>="</a:t>
             </a:r>
             <a:r>
               <a:rPr lang="en-US" b="1" dirty="0" err="1"/>

--- a/PPT/05- Angular Routing.pptx
+++ b/PPT/05- Angular Routing.pptx
@@ -1900,7 +1900,7 @@
           <a:p>
             <a:fld id="{B496B693-9FDE-D34D-BA2D-87876F5E0558}" type="datetime1">
               <a:rPr lang="en-US" smtClean="0"/>
-              <a:t>6/10/20</a:t>
+              <a:t>12/17/20</a:t>
             </a:fld>
             <a:endParaRPr lang="en-US"/>
           </a:p>
@@ -2059,7 +2059,7 @@
           <a:p>
             <a:fld id="{2C668659-E1B9-F248-8B7A-62E98257FA2B}" type="datetime1">
               <a:rPr lang="en-US" smtClean="0"/>
-              <a:t>6/10/20</a:t>
+              <a:t>12/17/20</a:t>
             </a:fld>
             <a:endParaRPr lang="en-US"/>
           </a:p>
@@ -2537,7 +2537,7 @@
           <a:p>
             <a:fld id="{B6121E9A-9D8F-554C-B283-F41E0A321D9E}" type="datetime1">
               <a:rPr lang="en-US" smtClean="0"/>
-              <a:t>6/10/20</a:t>
+              <a:t>12/17/20</a:t>
             </a:fld>
             <a:endParaRPr lang="en-US"/>
           </a:p>
@@ -2662,7 +2662,7 @@
           <a:p>
             <a:fld id="{4830FFAC-C408-5B4A-A43B-C51D21E865D6}" type="datetime1">
               <a:rPr lang="en-US" smtClean="0"/>
-              <a:t>6/10/20</a:t>
+              <a:t>12/17/20</a:t>
             </a:fld>
             <a:endParaRPr lang="en-US"/>
           </a:p>
@@ -2758,7 +2758,7 @@
           <a:p>
             <a:fld id="{AAFBA3EB-6224-474F-84CA-5E91E4443D27}" type="datetime1">
               <a:rPr lang="en-US" smtClean="0"/>
-              <a:t>6/10/20</a:t>
+              <a:t>12/17/20</a:t>
             </a:fld>
             <a:endParaRPr lang="en-US"/>
           </a:p>
@@ -2992,7 +2992,7 @@
           <a:p>
             <a:fld id="{5A1FA41D-3A39-F741-AA79-3F454EC99F26}" type="datetime1">
               <a:rPr lang="en-US" smtClean="0"/>
-              <a:t>6/10/20</a:t>
+              <a:t>12/17/20</a:t>
             </a:fld>
             <a:endParaRPr lang="en-US"/>
           </a:p>
@@ -10637,14 +10637,14 @@
               <a:t> </a:t>
             </a:r>
             <a:r>
-              <a:rPr sz="1500" b="1" spc="5" dirty="0">
+              <a:rPr lang="nl-NL" sz="1500" b="1" spc="5" dirty="0">
                 <a:solidFill>
                   <a:srgbClr val="000080"/>
                 </a:solidFill>
                 <a:latin typeface="Consolas"/>
                 <a:cs typeface="Consolas"/>
               </a:rPr>
-              <a:t>any</a:t>
+              <a:t>string</a:t>
             </a:r>
             <a:r>
               <a:rPr sz="1500" dirty="0">
@@ -33427,13 +33427,7 @@
               <a:rPr lang="nl-NL" sz="2800" spc="15" dirty="0">
                 <a:latin typeface="+mj-lt"/>
               </a:rPr>
-              <a:t>.</a:t>
-            </a:r>
-            <a:r>
-              <a:rPr lang="nl-NL" sz="2800" spc="15" dirty="0" err="1">
-                <a:latin typeface="+mj-lt"/>
-              </a:rPr>
-              <a:t>js</a:t>
+              <a:t>.ts</a:t>
             </a:r>
             <a:endParaRPr sz="2800" spc="15" dirty="0">
               <a:latin typeface="+mj-lt"/>
@@ -36335,7 +36329,7 @@
         <p:spPr>
           <a:xfrm>
             <a:off x="1586616" y="2028825"/>
-            <a:ext cx="9106783" cy="3914794"/>
+            <a:ext cx="9106783" cy="4561124"/>
           </a:xfrm>
           <a:prstGeom prst="rect">
             <a:avLst/>
@@ -36867,7 +36861,7 @@
               </a:spcBef>
             </a:pPr>
             <a:r>
-              <a:rPr sz="1500" spc="5" dirty="0">
+              <a:rPr sz="1800" spc="5" dirty="0">
                 <a:solidFill>
                   <a:srgbClr val="008000"/>
                 </a:solidFill>
@@ -36877,7 +36871,7 @@
               <a:t>&lt;</a:t>
             </a:r>
             <a:r>
-              <a:rPr sz="1500" dirty="0">
+              <a:rPr sz="1800" dirty="0">
                 <a:solidFill>
                   <a:srgbClr val="008000"/>
                 </a:solidFill>
@@ -36887,7 +36881,7 @@
               <a:t>a</a:t>
             </a:r>
             <a:r>
-              <a:rPr sz="1500" dirty="0">
+              <a:rPr sz="1800" dirty="0">
                 <a:solidFill>
                   <a:srgbClr val="008000"/>
                 </a:solidFill>
@@ -36897,7 +36891,7 @@
               <a:t> </a:t>
             </a:r>
             <a:r>
-              <a:rPr sz="1500" spc="85" dirty="0">
+              <a:rPr sz="1800" spc="85" dirty="0">
                 <a:solidFill>
                   <a:srgbClr val="008000"/>
                 </a:solidFill>
@@ -36907,7 +36901,7 @@
               <a:t> </a:t>
             </a:r>
             <a:r>
-              <a:rPr sz="1500" spc="5" dirty="0">
+              <a:rPr sz="1800" spc="5" dirty="0">
                 <a:solidFill>
                   <a:srgbClr val="008000"/>
                 </a:solidFill>
@@ -36917,7 +36911,7 @@
               <a:t>routerLink="/home</a:t>
             </a:r>
             <a:r>
-              <a:rPr sz="1500" dirty="0">
+              <a:rPr sz="1800" dirty="0">
                 <a:solidFill>
                   <a:srgbClr val="008000"/>
                 </a:solidFill>
@@ -36927,7 +36921,7 @@
               <a:t>"</a:t>
             </a:r>
             <a:r>
-              <a:rPr sz="1500" dirty="0">
+              <a:rPr sz="1800" dirty="0">
                 <a:solidFill>
                   <a:srgbClr val="008000"/>
                 </a:solidFill>
@@ -36937,7 +36931,7 @@
               <a:t> </a:t>
             </a:r>
             <a:r>
-              <a:rPr sz="1500" spc="90" dirty="0">
+              <a:rPr sz="1800" spc="90" dirty="0">
                 <a:solidFill>
                   <a:srgbClr val="008000"/>
                 </a:solidFill>
@@ -36947,7 +36941,7 @@
               <a:t> </a:t>
             </a:r>
             <a:r>
-              <a:rPr sz="1500" spc="5" dirty="0">
+              <a:rPr sz="1800" spc="5" dirty="0">
                 <a:solidFill>
                   <a:srgbClr val="008000"/>
                 </a:solidFill>
@@ -36957,7 +36951,7 @@
               <a:t>class="bt</a:t>
             </a:r>
             <a:r>
-              <a:rPr sz="1500" dirty="0">
+              <a:rPr sz="1800" dirty="0">
                 <a:solidFill>
                   <a:srgbClr val="008000"/>
                 </a:solidFill>
@@ -36967,7 +36961,7 @@
               <a:t>n</a:t>
             </a:r>
             <a:r>
-              <a:rPr sz="1500" dirty="0">
+              <a:rPr sz="1800" dirty="0">
                 <a:solidFill>
                   <a:srgbClr val="008000"/>
                 </a:solidFill>
@@ -36977,7 +36971,7 @@
               <a:t> </a:t>
             </a:r>
             <a:r>
-              <a:rPr sz="1500" spc="90" dirty="0">
+              <a:rPr sz="1800" spc="90" dirty="0">
                 <a:solidFill>
                   <a:srgbClr val="008000"/>
                 </a:solidFill>
@@ -36987,7 +36981,7 @@
               <a:t> </a:t>
             </a:r>
             <a:r>
-              <a:rPr sz="1500" spc="5" dirty="0">
+              <a:rPr sz="1800" spc="5" dirty="0">
                 <a:solidFill>
                   <a:srgbClr val="008000"/>
                 </a:solidFill>
@@ -36997,7 +36991,7 @@
               <a:t>btn</a:t>
             </a:r>
             <a:r>
-              <a:rPr sz="1500" dirty="0">
+              <a:rPr sz="1800" dirty="0">
                 <a:solidFill>
                   <a:srgbClr val="008000"/>
                 </a:solidFill>
@@ -37007,7 +37001,7 @@
               <a:t>‐</a:t>
             </a:r>
             <a:r>
-              <a:rPr sz="1500" spc="5" dirty="0">
+              <a:rPr sz="1800" spc="5" dirty="0">
                 <a:solidFill>
                   <a:srgbClr val="008000"/>
                 </a:solidFill>
@@ -37017,7 +37011,7 @@
               <a:t>primary"&gt;Lis</a:t>
             </a:r>
             <a:r>
-              <a:rPr sz="1500" dirty="0">
+              <a:rPr sz="1800" dirty="0">
                 <a:solidFill>
                   <a:srgbClr val="008000"/>
                 </a:solidFill>
@@ -37027,7 +37021,7 @@
               <a:t>t</a:t>
             </a:r>
             <a:r>
-              <a:rPr sz="1500" dirty="0">
+              <a:rPr sz="1800" dirty="0">
                 <a:solidFill>
                   <a:srgbClr val="008000"/>
                 </a:solidFill>
@@ -37037,7 +37031,7 @@
               <a:t> </a:t>
             </a:r>
             <a:r>
-              <a:rPr sz="1500" spc="85" dirty="0">
+              <a:rPr sz="1800" spc="85" dirty="0">
                 <a:solidFill>
                   <a:srgbClr val="008000"/>
                 </a:solidFill>
@@ -37047,7 +37041,7 @@
               <a:t> </a:t>
             </a:r>
             <a:r>
-              <a:rPr sz="1500" dirty="0">
+              <a:rPr sz="1800" dirty="0">
                 <a:solidFill>
                   <a:srgbClr val="008000"/>
                 </a:solidFill>
@@ -37057,7 +37051,7 @@
               <a:t>of</a:t>
             </a:r>
             <a:r>
-              <a:rPr sz="1500" dirty="0">
+              <a:rPr sz="1800" dirty="0">
                 <a:solidFill>
                   <a:srgbClr val="008000"/>
                 </a:solidFill>
@@ -37067,7 +37061,7 @@
               <a:t> </a:t>
             </a:r>
             <a:r>
-              <a:rPr sz="1500" spc="90" dirty="0">
+              <a:rPr sz="1800" spc="90" dirty="0">
                 <a:solidFill>
                   <a:srgbClr val="008000"/>
                 </a:solidFill>
@@ -37077,7 +37071,7 @@
               <a:t> </a:t>
             </a:r>
             <a:r>
-              <a:rPr sz="1500" spc="5" dirty="0">
+              <a:rPr sz="1800" spc="5" dirty="0">
                 <a:solidFill>
                   <a:srgbClr val="008000"/>
                 </a:solidFill>
@@ -37086,7 +37080,7 @@
               </a:rPr>
               <a:t>cities&lt;/a&gt;</a:t>
             </a:r>
-            <a:endParaRPr sz="1500" dirty="0">
+            <a:endParaRPr sz="1800" dirty="0">
               <a:latin typeface="Consolas"/>
               <a:cs typeface="Consolas"/>
             </a:endParaRPr>
@@ -37101,7 +37095,7 @@
               </a:spcBef>
             </a:pPr>
             <a:r>
-              <a:rPr sz="1500" spc="5" dirty="0">
+              <a:rPr sz="1800" spc="5" dirty="0">
                 <a:solidFill>
                   <a:srgbClr val="008000"/>
                 </a:solidFill>
@@ -37111,7 +37105,7 @@
               <a:t>&lt;</a:t>
             </a:r>
             <a:r>
-              <a:rPr sz="1500" dirty="0">
+              <a:rPr sz="1800" dirty="0">
                 <a:solidFill>
                   <a:srgbClr val="008000"/>
                 </a:solidFill>
@@ -37121,7 +37115,7 @@
               <a:t>a</a:t>
             </a:r>
             <a:r>
-              <a:rPr sz="1500" dirty="0">
+              <a:rPr sz="1800" dirty="0">
                 <a:solidFill>
                   <a:srgbClr val="008000"/>
                 </a:solidFill>
@@ -37131,7 +37125,7 @@
               <a:t> </a:t>
             </a:r>
             <a:r>
-              <a:rPr sz="1500" spc="85" dirty="0">
+              <a:rPr sz="1800" spc="85" dirty="0">
                 <a:solidFill>
                   <a:srgbClr val="008000"/>
                 </a:solidFill>
@@ -37141,7 +37135,7 @@
               <a:t> </a:t>
             </a:r>
             <a:r>
-              <a:rPr sz="1500" spc="5" dirty="0">
+              <a:rPr sz="1800" spc="5" dirty="0">
                 <a:solidFill>
                   <a:srgbClr val="008000"/>
                 </a:solidFill>
@@ -37151,7 +37145,7 @@
               <a:t>routerLink="/add</a:t>
             </a:r>
             <a:r>
-              <a:rPr sz="1500" dirty="0">
+              <a:rPr sz="1800" dirty="0">
                 <a:solidFill>
                   <a:srgbClr val="008000"/>
                 </a:solidFill>
@@ -37161,7 +37155,7 @@
               <a:t>"</a:t>
             </a:r>
             <a:r>
-              <a:rPr sz="1500" dirty="0">
+              <a:rPr sz="1800" dirty="0">
                 <a:solidFill>
                   <a:srgbClr val="008000"/>
                 </a:solidFill>
@@ -37171,7 +37165,7 @@
               <a:t> </a:t>
             </a:r>
             <a:r>
-              <a:rPr sz="1500" spc="90" dirty="0">
+              <a:rPr sz="1800" spc="90" dirty="0">
                 <a:solidFill>
                   <a:srgbClr val="008000"/>
                 </a:solidFill>
@@ -37181,7 +37175,7 @@
               <a:t> </a:t>
             </a:r>
             <a:r>
-              <a:rPr sz="1500" spc="5" dirty="0">
+              <a:rPr sz="1800" spc="5" dirty="0">
                 <a:solidFill>
                   <a:srgbClr val="008000"/>
                 </a:solidFill>
@@ -37191,7 +37185,7 @@
               <a:t>class="bt</a:t>
             </a:r>
             <a:r>
-              <a:rPr sz="1500" dirty="0">
+              <a:rPr sz="1800" dirty="0">
                 <a:solidFill>
                   <a:srgbClr val="008000"/>
                 </a:solidFill>
@@ -37201,7 +37195,7 @@
               <a:t>n</a:t>
             </a:r>
             <a:r>
-              <a:rPr sz="1500" dirty="0">
+              <a:rPr sz="1800" dirty="0">
                 <a:solidFill>
                   <a:srgbClr val="008000"/>
                 </a:solidFill>
@@ -37211,7 +37205,7 @@
               <a:t> </a:t>
             </a:r>
             <a:r>
-              <a:rPr sz="1500" spc="90" dirty="0">
+              <a:rPr sz="1800" spc="90" dirty="0">
                 <a:solidFill>
                   <a:srgbClr val="008000"/>
                 </a:solidFill>
@@ -37221,7 +37215,7 @@
               <a:t> </a:t>
             </a:r>
             <a:r>
-              <a:rPr sz="1500" spc="5" dirty="0">
+              <a:rPr sz="1800" spc="5" dirty="0">
                 <a:solidFill>
                   <a:srgbClr val="008000"/>
                 </a:solidFill>
@@ -37231,7 +37225,7 @@
               <a:t>btn‐primary"&gt;Ad</a:t>
             </a:r>
             <a:r>
-              <a:rPr sz="1500" dirty="0">
+              <a:rPr sz="1800" dirty="0">
                 <a:solidFill>
                   <a:srgbClr val="008000"/>
                 </a:solidFill>
@@ -37241,7 +37235,7 @@
               <a:t>d</a:t>
             </a:r>
             <a:r>
-              <a:rPr sz="1500" dirty="0">
+              <a:rPr sz="1800" dirty="0">
                 <a:solidFill>
                   <a:srgbClr val="008000"/>
                 </a:solidFill>
@@ -37251,7 +37245,7 @@
               <a:t> </a:t>
             </a:r>
             <a:r>
-              <a:rPr sz="1500" spc="90" dirty="0">
+              <a:rPr sz="1800" spc="90" dirty="0">
                 <a:solidFill>
                   <a:srgbClr val="008000"/>
                 </a:solidFill>
@@ -37261,7 +37255,7 @@
               <a:t> </a:t>
             </a:r>
             <a:r>
-              <a:rPr sz="1500" spc="5" dirty="0">
+              <a:rPr sz="1800" spc="5" dirty="0">
                 <a:solidFill>
                   <a:srgbClr val="008000"/>
                 </a:solidFill>
@@ -37270,7 +37264,7 @@
               </a:rPr>
               <a:t>City&lt;/a&gt;</a:t>
             </a:r>
-            <a:endParaRPr sz="1500" dirty="0">
+            <a:endParaRPr sz="1800" dirty="0">
               <a:latin typeface="Consolas"/>
               <a:cs typeface="Consolas"/>
             </a:endParaRPr>
@@ -37501,64 +37495,84 @@
             <a:r>
               <a:rPr lang="nl-NL" sz="1500" dirty="0">
                 <a:solidFill>
-                  <a:srgbClr val="008000"/>
+                  <a:srgbClr val="00B050"/>
                 </a:solidFill>
                 <a:latin typeface="Consolas"/>
                 <a:cs typeface="Consolas"/>
               </a:rPr>
               <a:t>   </a:t>
             </a:r>
-            <a:r>
-              <a:rPr sz="1500" b="1" dirty="0">
+          </a:p>
+          <a:p>
+            <a:pPr marL="1871345">
+              <a:lnSpc>
+                <a:spcPct val="100000"/>
+              </a:lnSpc>
+              <a:spcBef>
+                <a:spcPts val="10"/>
+              </a:spcBef>
+            </a:pPr>
+            <a:r>
+              <a:rPr sz="1800" b="1" dirty="0">
+                <a:solidFill>
+                  <a:srgbClr val="00B050"/>
+                </a:solidFill>
+                <a:latin typeface="Consolas"/>
+                <a:cs typeface="Consolas"/>
+              </a:rPr>
+              <a:t>&lt;route</a:t>
+            </a:r>
+            <a:r>
+              <a:rPr sz="1800" b="1" spc="5" dirty="0">
+                <a:solidFill>
+                  <a:srgbClr val="00B050"/>
+                </a:solidFill>
+                <a:latin typeface="Consolas"/>
+                <a:cs typeface="Consolas"/>
+              </a:rPr>
+              <a:t>r‐outlet&gt;&lt;/route</a:t>
+            </a:r>
+            <a:r>
+              <a:rPr sz="1800" b="1" spc="-10" dirty="0">
+                <a:solidFill>
+                  <a:srgbClr val="00B050"/>
+                </a:solidFill>
+                <a:latin typeface="Consolas"/>
+                <a:cs typeface="Consolas"/>
+              </a:rPr>
+              <a:t>r</a:t>
+            </a:r>
+            <a:r>
+              <a:rPr sz="1800" b="1" dirty="0">
+                <a:solidFill>
+                  <a:srgbClr val="00B050"/>
+                </a:solidFill>
+                <a:latin typeface="Consolas"/>
+                <a:cs typeface="Consolas"/>
+              </a:rPr>
+              <a:t>‐</a:t>
+            </a:r>
+            <a:r>
+              <a:rPr sz="1800" b="1" spc="5" dirty="0">
+                <a:solidFill>
+                  <a:srgbClr val="00B050"/>
+                </a:solidFill>
+                <a:latin typeface="Consolas"/>
+                <a:cs typeface="Consolas"/>
+              </a:rPr>
+              <a:t>outlet</a:t>
+            </a:r>
+            <a:r>
+              <a:rPr sz="1800" b="1" spc="5" dirty="0">
                 <a:solidFill>
                   <a:srgbClr val="FF0000"/>
                 </a:solidFill>
                 <a:latin typeface="Consolas"/>
                 <a:cs typeface="Consolas"/>
               </a:rPr>
-              <a:t>&lt;route</a:t>
-            </a:r>
-            <a:r>
-              <a:rPr sz="1500" b="1" spc="5" dirty="0">
-                <a:solidFill>
-                  <a:srgbClr val="FF0000"/>
-                </a:solidFill>
-                <a:latin typeface="Consolas"/>
-                <a:cs typeface="Consolas"/>
-              </a:rPr>
-              <a:t>r‐outlet&gt;&lt;/route</a:t>
-            </a:r>
-            <a:r>
-              <a:rPr sz="1500" b="1" spc="-10" dirty="0">
-                <a:solidFill>
-                  <a:srgbClr val="FF0000"/>
-                </a:solidFill>
-                <a:latin typeface="Consolas"/>
-                <a:cs typeface="Consolas"/>
-              </a:rPr>
-              <a:t>r</a:t>
-            </a:r>
-            <a:r>
-              <a:rPr sz="1500" b="1" dirty="0">
-                <a:solidFill>
-                  <a:srgbClr val="FF0000"/>
-                </a:solidFill>
-                <a:latin typeface="Consolas"/>
-                <a:cs typeface="Consolas"/>
-              </a:rPr>
-              <a:t>‐</a:t>
-            </a:r>
-            <a:r>
-              <a:rPr sz="1500" b="1" spc="5" dirty="0">
-                <a:solidFill>
-                  <a:srgbClr val="FF0000"/>
-                </a:solidFill>
-                <a:latin typeface="Consolas"/>
-                <a:cs typeface="Consolas"/>
-              </a:rPr>
-              <a:t>outlet&gt;</a:t>
-            </a:r>
-            <a:endParaRPr sz="1500" b="1" dirty="0">
+              <a:t>&gt;</a:t>
+            </a:r>
+            <a:endParaRPr sz="1800" b="1" dirty="0">
               <a:solidFill>
                 <a:srgbClr val="FF0000"/>
               </a:solidFill>
@@ -37841,7 +37855,7 @@
         </p:nvSpPr>
         <p:spPr>
           <a:xfrm>
-            <a:off x="1178191" y="6227972"/>
+            <a:off x="1159995" y="6485808"/>
             <a:ext cx="4777105" cy="1046440"/>
           </a:xfrm>
           <a:prstGeom prst="rect">
@@ -38169,7 +38183,7 @@
         </p:nvSpPr>
         <p:spPr>
           <a:xfrm>
-            <a:off x="5788419" y="5647939"/>
+            <a:off x="5788582" y="5878771"/>
             <a:ext cx="4457065" cy="923290"/>
           </a:xfrm>
           <a:custGeom>
